--- a/Presentation_project4.pptx
+++ b/Presentation_project4.pptx
@@ -266,7 +266,7 @@
           <a:p>
             <a:fld id="{5ADCAF40-A17B-4AB4-99A9-34899C3DDED5}" type="datetimeFigureOut">
               <a:rPr lang="en-US" smtClean="0"/>
-              <a:t>4/26/2022</a:t>
+              <a:t>5/2/2022</a:t>
             </a:fld>
             <a:endParaRPr lang="en-US"/>
           </a:p>
@@ -464,7 +464,7 @@
           <a:p>
             <a:fld id="{5ADCAF40-A17B-4AB4-99A9-34899C3DDED5}" type="datetimeFigureOut">
               <a:rPr lang="en-US" smtClean="0"/>
-              <a:t>4/26/2022</a:t>
+              <a:t>5/2/2022</a:t>
             </a:fld>
             <a:endParaRPr lang="en-US"/>
           </a:p>
@@ -672,7 +672,7 @@
           <a:p>
             <a:fld id="{5ADCAF40-A17B-4AB4-99A9-34899C3DDED5}" type="datetimeFigureOut">
               <a:rPr lang="en-US" smtClean="0"/>
-              <a:t>4/26/2022</a:t>
+              <a:t>5/2/2022</a:t>
             </a:fld>
             <a:endParaRPr lang="en-US"/>
           </a:p>
@@ -870,7 +870,7 @@
           <a:p>
             <a:fld id="{5ADCAF40-A17B-4AB4-99A9-34899C3DDED5}" type="datetimeFigureOut">
               <a:rPr lang="en-US" smtClean="0"/>
-              <a:t>4/26/2022</a:t>
+              <a:t>5/2/2022</a:t>
             </a:fld>
             <a:endParaRPr lang="en-US"/>
           </a:p>
@@ -1145,7 +1145,7 @@
           <a:p>
             <a:fld id="{5ADCAF40-A17B-4AB4-99A9-34899C3DDED5}" type="datetimeFigureOut">
               <a:rPr lang="en-US" smtClean="0"/>
-              <a:t>4/26/2022</a:t>
+              <a:t>5/2/2022</a:t>
             </a:fld>
             <a:endParaRPr lang="en-US"/>
           </a:p>
@@ -1410,7 +1410,7 @@
           <a:p>
             <a:fld id="{5ADCAF40-A17B-4AB4-99A9-34899C3DDED5}" type="datetimeFigureOut">
               <a:rPr lang="en-US" smtClean="0"/>
-              <a:t>4/26/2022</a:t>
+              <a:t>5/2/2022</a:t>
             </a:fld>
             <a:endParaRPr lang="en-US"/>
           </a:p>
@@ -1822,7 +1822,7 @@
           <a:p>
             <a:fld id="{5ADCAF40-A17B-4AB4-99A9-34899C3DDED5}" type="datetimeFigureOut">
               <a:rPr lang="en-US" smtClean="0"/>
-              <a:t>4/26/2022</a:t>
+              <a:t>5/2/2022</a:t>
             </a:fld>
             <a:endParaRPr lang="en-US"/>
           </a:p>
@@ -1963,7 +1963,7 @@
           <a:p>
             <a:fld id="{5ADCAF40-A17B-4AB4-99A9-34899C3DDED5}" type="datetimeFigureOut">
               <a:rPr lang="en-US" smtClean="0"/>
-              <a:t>4/26/2022</a:t>
+              <a:t>5/2/2022</a:t>
             </a:fld>
             <a:endParaRPr lang="en-US"/>
           </a:p>
@@ -2076,7 +2076,7 @@
           <a:p>
             <a:fld id="{5ADCAF40-A17B-4AB4-99A9-34899C3DDED5}" type="datetimeFigureOut">
               <a:rPr lang="en-US" smtClean="0"/>
-              <a:t>4/26/2022</a:t>
+              <a:t>5/2/2022</a:t>
             </a:fld>
             <a:endParaRPr lang="en-US"/>
           </a:p>
@@ -2387,7 +2387,7 @@
           <a:p>
             <a:fld id="{5ADCAF40-A17B-4AB4-99A9-34899C3DDED5}" type="datetimeFigureOut">
               <a:rPr lang="en-US" smtClean="0"/>
-              <a:t>4/26/2022</a:t>
+              <a:t>5/2/2022</a:t>
             </a:fld>
             <a:endParaRPr lang="en-US"/>
           </a:p>
@@ -2675,7 +2675,7 @@
           <a:p>
             <a:fld id="{5ADCAF40-A17B-4AB4-99A9-34899C3DDED5}" type="datetimeFigureOut">
               <a:rPr lang="en-US" smtClean="0"/>
-              <a:t>4/26/2022</a:t>
+              <a:t>5/2/2022</a:t>
             </a:fld>
             <a:endParaRPr lang="en-US"/>
           </a:p>
@@ -2916,7 +2916,7 @@
           <a:p>
             <a:fld id="{5ADCAF40-A17B-4AB4-99A9-34899C3DDED5}" type="datetimeFigureOut">
               <a:rPr lang="en-US" smtClean="0"/>
-              <a:t>4/26/2022</a:t>
+              <a:t>5/2/2022</a:t>
             </a:fld>
             <a:endParaRPr lang="en-US"/>
           </a:p>
@@ -3493,7 +3493,15 @@
           <a:p>
             <a:r>
               <a:rPr lang="en-US" sz="3600" dirty="0"/>
-              <a:t>Image classification via different models</a:t>
+              <a:t>Image classification via m</a:t>
+            </a:r>
+            <a:r>
+              <a:rPr lang="en-US" altLang="zh-CN" sz="3600" dirty="0"/>
+              <a:t>ultiple</a:t>
+            </a:r>
+            <a:r>
+              <a:rPr lang="en-US" sz="3600" dirty="0"/>
+              <a:t> models</a:t>
             </a:r>
           </a:p>
           <a:p>
@@ -3816,7 +3824,7 @@
             <a:pPr lvl="1"/>
             <a:r>
               <a:rPr lang="en-US" dirty="0"/>
-              <a:t>Dense model</a:t>
+              <a:t>Dense model (dense)</a:t>
             </a:r>
           </a:p>
           <a:p>
@@ -3830,56 +3838,88 @@
             <a:pPr lvl="2"/>
             <a:r>
               <a:rPr lang="en-US" dirty="0"/>
-              <a:t>Basic model (CNN)</a:t>
+              <a:t>Basic model (</a:t>
+            </a:r>
+            <a:r>
+              <a:rPr lang="en-US" dirty="0" err="1"/>
+              <a:t>cnn</a:t>
+            </a:r>
+            <a:r>
+              <a:rPr lang="en-US" dirty="0"/>
+              <a:t>)</a:t>
             </a:r>
           </a:p>
           <a:p>
             <a:pPr lvl="2"/>
             <a:r>
               <a:rPr lang="en-US" dirty="0"/>
-              <a:t>With Data Augmentation (CNNDA)</a:t>
+              <a:t>With Data Augmentation (</a:t>
+            </a:r>
+            <a:r>
+              <a:rPr lang="en-US" dirty="0" err="1"/>
+              <a:t>cnnda</a:t>
+            </a:r>
+            <a:r>
+              <a:rPr lang="en-US" dirty="0"/>
+              <a:t>)</a:t>
             </a:r>
           </a:p>
           <a:p>
             <a:pPr lvl="2"/>
             <a:r>
               <a:rPr lang="en-US" dirty="0"/>
-              <a:t>With Batch Normalization (CNNBN)</a:t>
+              <a:t>With Batch Normalization (</a:t>
+            </a:r>
+            <a:r>
+              <a:rPr lang="en-US" dirty="0" err="1"/>
+              <a:t>cnnbn</a:t>
+            </a:r>
+            <a:r>
+              <a:rPr lang="en-US" dirty="0"/>
+              <a:t>)</a:t>
             </a:r>
           </a:p>
           <a:p>
             <a:pPr lvl="2"/>
             <a:r>
               <a:rPr lang="en-US" dirty="0"/>
-              <a:t>With Dropout (CNNDO)</a:t>
+              <a:t>With Dropout (</a:t>
+            </a:r>
+            <a:r>
+              <a:rPr lang="en-US" dirty="0" err="1"/>
+              <a:t>cnndo</a:t>
+            </a:r>
+            <a:r>
+              <a:rPr lang="en-US" dirty="0"/>
+              <a:t>)</a:t>
             </a:r>
           </a:p>
           <a:p>
             <a:pPr lvl="1"/>
             <a:r>
               <a:rPr lang="en-US" dirty="0"/>
-              <a:t>Pretrained model, i.e., VGG16</a:t>
+              <a:t>Pretrained model, i.e., VGG19</a:t>
             </a:r>
           </a:p>
           <a:p>
             <a:pPr lvl="2"/>
             <a:r>
               <a:rPr lang="en-US" dirty="0"/>
-              <a:t>With the basic CNN model (CNNVGG0)</a:t>
+              <a:t>With the basic CNN model (cnnvgg0)</a:t>
             </a:r>
           </a:p>
           <a:p>
             <a:pPr lvl="2"/>
             <a:r>
               <a:rPr lang="en-US" dirty="0"/>
-              <a:t>With a CNN model of more nodes (CNNVGG1)</a:t>
+              <a:t>With a CNN model of more nodes (cnnvgg1)</a:t>
             </a:r>
           </a:p>
           <a:p>
             <a:pPr lvl="2"/>
             <a:r>
               <a:rPr lang="en-US" dirty="0"/>
-              <a:t>With a new Data Augmentation (CNNVGG0DA2 and CNNVGG1DA2)</a:t>
+              <a:t>With a new data augmentation (cnnvgg0da2 and cnnvgg1da2)</a:t>
             </a:r>
           </a:p>
           <a:p>
@@ -3912,7 +3952,7 @@
         </p:blipFill>
         <p:spPr>
           <a:xfrm>
-            <a:off x="7985128" y="1638686"/>
+            <a:off x="7994006" y="1825625"/>
             <a:ext cx="2812602" cy="4572000"/>
           </a:xfrm>
           <a:prstGeom prst="rect">
@@ -3920,6 +3960,41 @@
           </a:prstGeom>
         </p:spPr>
       </p:pic>
+      <p:sp>
+        <p:nvSpPr>
+          <p:cNvPr id="5" name="TextBox 4">
+            <a:extLst>
+              <a:ext uri="{FF2B5EF4-FFF2-40B4-BE49-F238E27FC236}">
+                <a16:creationId xmlns:a16="http://schemas.microsoft.com/office/drawing/2014/main" id="{908D8F4A-CFFC-48C7-B825-59EE633119F1}"/>
+              </a:ext>
+            </a:extLst>
+          </p:cNvPr>
+          <p:cNvSpPr txBox="1"/>
+          <p:nvPr/>
+        </p:nvSpPr>
+        <p:spPr>
+          <a:xfrm>
+            <a:off x="8656160" y="1456293"/>
+            <a:ext cx="1488293" cy="369332"/>
+          </a:xfrm>
+          <a:prstGeom prst="rect">
+            <a:avLst/>
+          </a:prstGeom>
+          <a:noFill/>
+        </p:spPr>
+        <p:txBody>
+          <a:bodyPr wrap="none" rtlCol="0">
+            <a:spAutoFit/>
+          </a:bodyPr>
+          <a:lstStyle/>
+          <a:p>
+            <a:r>
+              <a:rPr lang="en-US" dirty="0"/>
+              <a:t>VGG19 model</a:t>
+            </a:r>
+          </a:p>
+        </p:txBody>
+      </p:sp>
     </p:spTree>
     <p:extLst>
       <p:ext uri="{BB962C8B-B14F-4D97-AF65-F5344CB8AC3E}">
@@ -3966,13 +4041,26 @@
             <p:ph type="title"/>
           </p:nvPr>
         </p:nvSpPr>
-        <p:spPr/>
-        <p:txBody>
-          <a:bodyPr/>
-          <a:lstStyle/>
-          <a:p>
-            <a:r>
-              <a:rPr lang="en-US" dirty="0"/>
+        <p:spPr>
+          <a:xfrm>
+            <a:off x="838200" y="878889"/>
+            <a:ext cx="10515600" cy="811799"/>
+          </a:xfrm>
+        </p:spPr>
+        <p:txBody>
+          <a:bodyPr>
+            <a:normAutofit/>
+          </a:bodyPr>
+          <a:lstStyle/>
+          <a:p>
+            <a:pPr marL="457200" indent="-457200">
+              <a:buFont typeface="Arial" panose="020B0604020202020204" pitchFamily="34" charset="0"/>
+              <a:buChar char="•"/>
+            </a:pPr>
+            <a:r>
+              <a:rPr lang="en-US" sz="2800" dirty="0">
+                <a:latin typeface="+mn-lt"/>
+              </a:rPr>
               <a:t>Model Comparisons</a:t>
             </a:r>
           </a:p>
@@ -4062,7 +4150,7 @@
         <p:spPr>
           <a:xfrm>
             <a:off x="1553592" y="5051394"/>
-            <a:ext cx="8131008" cy="646331"/>
+            <a:ext cx="6305444" cy="923330"/>
           </a:xfrm>
           <a:prstGeom prst="rect">
             <a:avLst/>
@@ -4090,8 +4178,18 @@
               <a:buChar char="•"/>
             </a:pPr>
             <a:r>
+              <a:rPr lang="en-US" altLang="zh-CN" dirty="0"/>
+              <a:t>The deep learning models have increased accuracy above 88%</a:t>
+            </a:r>
+          </a:p>
+          <a:p>
+            <a:pPr marL="285750" indent="-285750">
+              <a:buFont typeface="Arial" panose="020B0604020202020204" pitchFamily="34" charset="0"/>
+              <a:buChar char="•"/>
+            </a:pPr>
+            <a:r>
               <a:rPr lang="en-US" dirty="0"/>
-              <a:t>The deep learning models have similar performance with the accuracy above 88%</a:t>
+              <a:t>The deep learning models have similar performance</a:t>
             </a:r>
           </a:p>
         </p:txBody>
@@ -4142,13 +4240,26 @@
             <p:ph type="title"/>
           </p:nvPr>
         </p:nvSpPr>
-        <p:spPr/>
-        <p:txBody>
-          <a:bodyPr/>
-          <a:lstStyle/>
-          <a:p>
-            <a:r>
-              <a:rPr lang="en-US" dirty="0"/>
+        <p:spPr>
+          <a:xfrm>
+            <a:off x="838200" y="807868"/>
+            <a:ext cx="10515600" cy="882820"/>
+          </a:xfrm>
+        </p:spPr>
+        <p:txBody>
+          <a:bodyPr>
+            <a:normAutofit/>
+          </a:bodyPr>
+          <a:lstStyle/>
+          <a:p>
+            <a:pPr marL="571500" indent="-571500">
+              <a:buFont typeface="Arial" panose="020B0604020202020204" pitchFamily="34" charset="0"/>
+              <a:buChar char="•"/>
+            </a:pPr>
+            <a:r>
+              <a:rPr lang="en-US" sz="2800" dirty="0">
+                <a:latin typeface="+mn-lt"/>
+              </a:rPr>
               <a:t>Final Model Results: CNNVGG1</a:t>
             </a:r>
           </a:p>
